--- a/Дешифратор.pptx
+++ b/Дешифратор.pptx
@@ -12,6 +12,7 @@
     <p:sldId id="257" r:id="rId6"/>
     <p:sldId id="258" r:id="rId7"/>
     <p:sldId id="262" r:id="rId8"/>
+    <p:sldId id="263" r:id="rId9"/>
   </p:sldIdLst>
   <p:sldSz cx="12192000" cy="6858000"/>
   <p:notesSz cx="6858000" cy="9144000"/>
@@ -110,6 +111,11 @@
       </a:defRPr>
     </a:lvl9pPr>
   </p:defaultTextStyle>
+  <p:extLst>
+    <p:ext uri="{EFAFB233-063F-42B5-8137-9DF3F51BA10A}">
+      <p15:sldGuideLst xmlns:p15="http://schemas.microsoft.com/office/powerpoint/2012/main"/>
+    </p:ext>
+  </p:extLst>
 </p:presentation>
 </file>
 
@@ -244,7 +250,7 @@
           <a:p>
             <a:fld id="{7DBDE65C-DF9A-49D8-81C6-6E5487ACF626}" type="datetimeFigureOut">
               <a:rPr lang="ru-RU" smtClean="0"/>
-              <a:t>11.04.2021</a:t>
+              <a:t>14.04.2021</a:t>
             </a:fld>
             <a:endParaRPr lang="ru-RU"/>
           </a:p>
@@ -414,7 +420,7 @@
           <a:p>
             <a:fld id="{7DBDE65C-DF9A-49D8-81C6-6E5487ACF626}" type="datetimeFigureOut">
               <a:rPr lang="ru-RU" smtClean="0"/>
-              <a:t>11.04.2021</a:t>
+              <a:t>14.04.2021</a:t>
             </a:fld>
             <a:endParaRPr lang="ru-RU"/>
           </a:p>
@@ -594,7 +600,7 @@
           <a:p>
             <a:fld id="{7DBDE65C-DF9A-49D8-81C6-6E5487ACF626}" type="datetimeFigureOut">
               <a:rPr lang="ru-RU" smtClean="0"/>
-              <a:t>11.04.2021</a:t>
+              <a:t>14.04.2021</a:t>
             </a:fld>
             <a:endParaRPr lang="ru-RU"/>
           </a:p>
@@ -764,7 +770,7 @@
           <a:p>
             <a:fld id="{7DBDE65C-DF9A-49D8-81C6-6E5487ACF626}" type="datetimeFigureOut">
               <a:rPr lang="ru-RU" smtClean="0"/>
-              <a:t>11.04.2021</a:t>
+              <a:t>14.04.2021</a:t>
             </a:fld>
             <a:endParaRPr lang="ru-RU"/>
           </a:p>
@@ -1010,7 +1016,7 @@
           <a:p>
             <a:fld id="{7DBDE65C-DF9A-49D8-81C6-6E5487ACF626}" type="datetimeFigureOut">
               <a:rPr lang="ru-RU" smtClean="0"/>
-              <a:t>11.04.2021</a:t>
+              <a:t>14.04.2021</a:t>
             </a:fld>
             <a:endParaRPr lang="ru-RU"/>
           </a:p>
@@ -1242,7 +1248,7 @@
           <a:p>
             <a:fld id="{7DBDE65C-DF9A-49D8-81C6-6E5487ACF626}" type="datetimeFigureOut">
               <a:rPr lang="ru-RU" smtClean="0"/>
-              <a:t>11.04.2021</a:t>
+              <a:t>14.04.2021</a:t>
             </a:fld>
             <a:endParaRPr lang="ru-RU"/>
           </a:p>
@@ -1609,7 +1615,7 @@
           <a:p>
             <a:fld id="{7DBDE65C-DF9A-49D8-81C6-6E5487ACF626}" type="datetimeFigureOut">
               <a:rPr lang="ru-RU" smtClean="0"/>
-              <a:t>11.04.2021</a:t>
+              <a:t>14.04.2021</a:t>
             </a:fld>
             <a:endParaRPr lang="ru-RU"/>
           </a:p>
@@ -1727,7 +1733,7 @@
           <a:p>
             <a:fld id="{7DBDE65C-DF9A-49D8-81C6-6E5487ACF626}" type="datetimeFigureOut">
               <a:rPr lang="ru-RU" smtClean="0"/>
-              <a:t>11.04.2021</a:t>
+              <a:t>14.04.2021</a:t>
             </a:fld>
             <a:endParaRPr lang="ru-RU"/>
           </a:p>
@@ -1822,7 +1828,7 @@
           <a:p>
             <a:fld id="{7DBDE65C-DF9A-49D8-81C6-6E5487ACF626}" type="datetimeFigureOut">
               <a:rPr lang="ru-RU" smtClean="0"/>
-              <a:t>11.04.2021</a:t>
+              <a:t>14.04.2021</a:t>
             </a:fld>
             <a:endParaRPr lang="ru-RU"/>
           </a:p>
@@ -2099,7 +2105,7 @@
           <a:p>
             <a:fld id="{7DBDE65C-DF9A-49D8-81C6-6E5487ACF626}" type="datetimeFigureOut">
               <a:rPr lang="ru-RU" smtClean="0"/>
-              <a:t>11.04.2021</a:t>
+              <a:t>14.04.2021</a:t>
             </a:fld>
             <a:endParaRPr lang="ru-RU"/>
           </a:p>
@@ -2352,7 +2358,7 @@
           <a:p>
             <a:fld id="{7DBDE65C-DF9A-49D8-81C6-6E5487ACF626}" type="datetimeFigureOut">
               <a:rPr lang="ru-RU" smtClean="0"/>
-              <a:t>11.04.2021</a:t>
+              <a:t>14.04.2021</a:t>
             </a:fld>
             <a:endParaRPr lang="ru-RU"/>
           </a:p>
@@ -2565,7 +2571,7 @@
           <a:p>
             <a:fld id="{7DBDE65C-DF9A-49D8-81C6-6E5487ACF626}" type="datetimeFigureOut">
               <a:rPr lang="ru-RU" smtClean="0"/>
-              <a:t>11.04.2021</a:t>
+              <a:t>14.04.2021</a:t>
             </a:fld>
             <a:endParaRPr lang="ru-RU"/>
           </a:p>
@@ -3538,7 +3544,7 @@
         </p:nvSpPr>
         <p:spPr>
           <a:xfrm>
-            <a:off x="468702" y="2643368"/>
+            <a:off x="435370" y="2677874"/>
             <a:ext cx="2015706" cy="1200329"/>
           </a:xfrm>
           <a:prstGeom prst="rect">
@@ -4273,6 +4279,104 @@
     <p:extLst>
       <p:ext uri="{BB962C8B-B14F-4D97-AF65-F5344CB8AC3E}">
         <p14:creationId xmlns:p14="http://schemas.microsoft.com/office/powerpoint/2010/main" val="3710847415"/>
+      </p:ext>
+    </p:extLst>
+  </p:cSld>
+  <p:clrMapOvr>
+    <a:masterClrMapping/>
+  </p:clrMapOvr>
+</p:sld>
+</file>
+
+<file path=ppt/slides/slide8.xml><?xml version="1.0" encoding="utf-8"?>
+<p:sld xmlns:a="http://schemas.openxmlformats.org/drawingml/2006/main" xmlns:r="http://schemas.openxmlformats.org/officeDocument/2006/relationships" xmlns:p="http://schemas.openxmlformats.org/presentationml/2006/main">
+  <p:cSld>
+    <p:spTree>
+      <p:nvGrpSpPr>
+        <p:cNvPr id="1" name=""/>
+        <p:cNvGrpSpPr/>
+        <p:nvPr/>
+      </p:nvGrpSpPr>
+      <p:grpSpPr>
+        <a:xfrm>
+          <a:off x="0" y="0"/>
+          <a:ext cx="0" cy="0"/>
+          <a:chOff x="0" y="0"/>
+          <a:chExt cx="0" cy="0"/>
+        </a:xfrm>
+      </p:grpSpPr>
+      <p:pic>
+        <p:nvPicPr>
+          <p:cNvPr id="2" name="Рисунок 1"/>
+          <p:cNvPicPr>
+            <a:picLocks noChangeAspect="1"/>
+          </p:cNvPicPr>
+          <p:nvPr/>
+        </p:nvPicPr>
+        <p:blipFill>
+          <a:blip r:embed="rId2"/>
+          <a:stretch>
+            <a:fillRect/>
+          </a:stretch>
+        </p:blipFill>
+        <p:spPr>
+          <a:xfrm>
+            <a:off x="1291534" y="818147"/>
+            <a:ext cx="9302101" cy="4600877"/>
+          </a:xfrm>
+          <a:prstGeom prst="rect">
+            <a:avLst/>
+          </a:prstGeom>
+        </p:spPr>
+      </p:pic>
+      <p:sp>
+        <p:nvSpPr>
+          <p:cNvPr id="3" name="Овал 2"/>
+          <p:cNvSpPr/>
+          <p:nvPr/>
+        </p:nvSpPr>
+        <p:spPr>
+          <a:xfrm>
+            <a:off x="4717196" y="818147"/>
+            <a:ext cx="528572" cy="374840"/>
+          </a:xfrm>
+          <a:prstGeom prst="ellipse">
+            <a:avLst/>
+          </a:prstGeom>
+          <a:noFill/>
+          <a:ln w="38100">
+            <a:solidFill>
+              <a:srgbClr val="FF0000"/>
+            </a:solidFill>
+          </a:ln>
+        </p:spPr>
+        <p:style>
+          <a:lnRef idx="0">
+            <a:scrgbClr r="0" g="0" b="0"/>
+          </a:lnRef>
+          <a:fillRef idx="0">
+            <a:scrgbClr r="0" g="0" b="0"/>
+          </a:fillRef>
+          <a:effectRef idx="0">
+            <a:scrgbClr r="0" g="0" b="0"/>
+          </a:effectRef>
+          <a:fontRef idx="minor">
+            <a:schemeClr val="accent2"/>
+          </a:fontRef>
+        </p:style>
+        <p:txBody>
+          <a:bodyPr rtlCol="0" anchor="ctr"/>
+          <a:lstStyle/>
+          <a:p>
+            <a:pPr algn="ctr"/>
+            <a:endParaRPr lang="ru-RU"/>
+          </a:p>
+        </p:txBody>
+      </p:sp>
+    </p:spTree>
+    <p:extLst>
+      <p:ext uri="{BB962C8B-B14F-4D97-AF65-F5344CB8AC3E}">
+        <p14:creationId xmlns:p14="http://schemas.microsoft.com/office/powerpoint/2010/main" val="3650195516"/>
       </p:ext>
     </p:extLst>
   </p:cSld>

--- a/Дешифратор.pptx
+++ b/Дешифратор.pptx
@@ -250,7 +250,7 @@
           <a:p>
             <a:fld id="{7DBDE65C-DF9A-49D8-81C6-6E5487ACF626}" type="datetimeFigureOut">
               <a:rPr lang="ru-RU" smtClean="0"/>
-              <a:t>14.04.2021</a:t>
+              <a:t>27.04.2021</a:t>
             </a:fld>
             <a:endParaRPr lang="ru-RU"/>
           </a:p>
@@ -420,7 +420,7 @@
           <a:p>
             <a:fld id="{7DBDE65C-DF9A-49D8-81C6-6E5487ACF626}" type="datetimeFigureOut">
               <a:rPr lang="ru-RU" smtClean="0"/>
-              <a:t>14.04.2021</a:t>
+              <a:t>27.04.2021</a:t>
             </a:fld>
             <a:endParaRPr lang="ru-RU"/>
           </a:p>
@@ -600,7 +600,7 @@
           <a:p>
             <a:fld id="{7DBDE65C-DF9A-49D8-81C6-6E5487ACF626}" type="datetimeFigureOut">
               <a:rPr lang="ru-RU" smtClean="0"/>
-              <a:t>14.04.2021</a:t>
+              <a:t>27.04.2021</a:t>
             </a:fld>
             <a:endParaRPr lang="ru-RU"/>
           </a:p>
@@ -770,7 +770,7 @@
           <a:p>
             <a:fld id="{7DBDE65C-DF9A-49D8-81C6-6E5487ACF626}" type="datetimeFigureOut">
               <a:rPr lang="ru-RU" smtClean="0"/>
-              <a:t>14.04.2021</a:t>
+              <a:t>27.04.2021</a:t>
             </a:fld>
             <a:endParaRPr lang="ru-RU"/>
           </a:p>
@@ -1016,7 +1016,7 @@
           <a:p>
             <a:fld id="{7DBDE65C-DF9A-49D8-81C6-6E5487ACF626}" type="datetimeFigureOut">
               <a:rPr lang="ru-RU" smtClean="0"/>
-              <a:t>14.04.2021</a:t>
+              <a:t>27.04.2021</a:t>
             </a:fld>
             <a:endParaRPr lang="ru-RU"/>
           </a:p>
@@ -1248,7 +1248,7 @@
           <a:p>
             <a:fld id="{7DBDE65C-DF9A-49D8-81C6-6E5487ACF626}" type="datetimeFigureOut">
               <a:rPr lang="ru-RU" smtClean="0"/>
-              <a:t>14.04.2021</a:t>
+              <a:t>27.04.2021</a:t>
             </a:fld>
             <a:endParaRPr lang="ru-RU"/>
           </a:p>
@@ -1615,7 +1615,7 @@
           <a:p>
             <a:fld id="{7DBDE65C-DF9A-49D8-81C6-6E5487ACF626}" type="datetimeFigureOut">
               <a:rPr lang="ru-RU" smtClean="0"/>
-              <a:t>14.04.2021</a:t>
+              <a:t>27.04.2021</a:t>
             </a:fld>
             <a:endParaRPr lang="ru-RU"/>
           </a:p>
@@ -1733,7 +1733,7 @@
           <a:p>
             <a:fld id="{7DBDE65C-DF9A-49D8-81C6-6E5487ACF626}" type="datetimeFigureOut">
               <a:rPr lang="ru-RU" smtClean="0"/>
-              <a:t>14.04.2021</a:t>
+              <a:t>27.04.2021</a:t>
             </a:fld>
             <a:endParaRPr lang="ru-RU"/>
           </a:p>
@@ -1828,7 +1828,7 @@
           <a:p>
             <a:fld id="{7DBDE65C-DF9A-49D8-81C6-6E5487ACF626}" type="datetimeFigureOut">
               <a:rPr lang="ru-RU" smtClean="0"/>
-              <a:t>14.04.2021</a:t>
+              <a:t>27.04.2021</a:t>
             </a:fld>
             <a:endParaRPr lang="ru-RU"/>
           </a:p>
@@ -2105,7 +2105,7 @@
           <a:p>
             <a:fld id="{7DBDE65C-DF9A-49D8-81C6-6E5487ACF626}" type="datetimeFigureOut">
               <a:rPr lang="ru-RU" smtClean="0"/>
-              <a:t>14.04.2021</a:t>
+              <a:t>27.04.2021</a:t>
             </a:fld>
             <a:endParaRPr lang="ru-RU"/>
           </a:p>
@@ -2358,7 +2358,7 @@
           <a:p>
             <a:fld id="{7DBDE65C-DF9A-49D8-81C6-6E5487ACF626}" type="datetimeFigureOut">
               <a:rPr lang="ru-RU" smtClean="0"/>
-              <a:t>14.04.2021</a:t>
+              <a:t>27.04.2021</a:t>
             </a:fld>
             <a:endParaRPr lang="ru-RU"/>
           </a:p>
@@ -2571,7 +2571,7 @@
           <a:p>
             <a:fld id="{7DBDE65C-DF9A-49D8-81C6-6E5487ACF626}" type="datetimeFigureOut">
               <a:rPr lang="ru-RU" smtClean="0"/>
-              <a:t>14.04.2021</a:t>
+              <a:t>27.04.2021</a:t>
             </a:fld>
             <a:endParaRPr lang="ru-RU"/>
           </a:p>
@@ -3446,12 +3446,19 @@
         </p:nvSpPr>
         <p:spPr>
           <a:xfrm>
-            <a:off x="529538" y="2426560"/>
-            <a:ext cx="2015706" cy="369332"/>
+            <a:off x="940112" y="2657393"/>
+            <a:ext cx="2015706" cy="1200329"/>
           </a:xfrm>
           <a:prstGeom prst="rect">
             <a:avLst/>
           </a:prstGeom>
+          <a:ln>
+            <a:solidFill>
+              <a:schemeClr val="accent4">
+                <a:lumMod val="50000"/>
+              </a:schemeClr>
+            </a:solidFill>
+          </a:ln>
         </p:spPr>
         <p:style>
           <a:lnRef idx="2">
@@ -3474,6 +3481,30 @@
           <a:lstStyle/>
           <a:p>
             <a:pPr algn="ctr"/>
+            <a:r>
+              <a:rPr lang="ru-RU" b="1" dirty="0" smtClean="0">
+                <a:solidFill>
+                  <a:schemeClr val="tx1"/>
+                </a:solidFill>
+              </a:rPr>
+              <a:t>Используем логические элементы с вкладки</a:t>
+            </a:r>
+            <a:r>
+              <a:rPr lang="ru-RU" b="1" dirty="0" smtClean="0">
+                <a:solidFill>
+                  <a:srgbClr val="FF0000"/>
+                </a:solidFill>
+              </a:rPr>
+              <a:t> </a:t>
+            </a:r>
+            <a:r>
+              <a:rPr lang="en-US" b="1" dirty="0" smtClean="0">
+                <a:solidFill>
+                  <a:srgbClr val="FF0000"/>
+                </a:solidFill>
+              </a:rPr>
+              <a:t>Gates</a:t>
+            </a:r>
             <a:endParaRPr lang="ru-RU" b="1" dirty="0">
               <a:solidFill>
                 <a:srgbClr val="FF0000"/>

--- a/Дешифратор.pptx
+++ b/Дешифратор.pptx
@@ -12,7 +12,6 @@
     <p:sldId id="257" r:id="rId6"/>
     <p:sldId id="258" r:id="rId7"/>
     <p:sldId id="262" r:id="rId8"/>
-    <p:sldId id="263" r:id="rId9"/>
   </p:sldIdLst>
   <p:sldSz cx="12192000" cy="6858000"/>
   <p:notesSz cx="6858000" cy="9144000"/>
@@ -250,7 +249,7 @@
           <a:p>
             <a:fld id="{7DBDE65C-DF9A-49D8-81C6-6E5487ACF626}" type="datetimeFigureOut">
               <a:rPr lang="ru-RU" smtClean="0"/>
-              <a:t>27.04.2021</a:t>
+              <a:t>28.04.2021</a:t>
             </a:fld>
             <a:endParaRPr lang="ru-RU"/>
           </a:p>
@@ -420,7 +419,7 @@
           <a:p>
             <a:fld id="{7DBDE65C-DF9A-49D8-81C6-6E5487ACF626}" type="datetimeFigureOut">
               <a:rPr lang="ru-RU" smtClean="0"/>
-              <a:t>27.04.2021</a:t>
+              <a:t>28.04.2021</a:t>
             </a:fld>
             <a:endParaRPr lang="ru-RU"/>
           </a:p>
@@ -600,7 +599,7 @@
           <a:p>
             <a:fld id="{7DBDE65C-DF9A-49D8-81C6-6E5487ACF626}" type="datetimeFigureOut">
               <a:rPr lang="ru-RU" smtClean="0"/>
-              <a:t>27.04.2021</a:t>
+              <a:t>28.04.2021</a:t>
             </a:fld>
             <a:endParaRPr lang="ru-RU"/>
           </a:p>
@@ -770,7 +769,7 @@
           <a:p>
             <a:fld id="{7DBDE65C-DF9A-49D8-81C6-6E5487ACF626}" type="datetimeFigureOut">
               <a:rPr lang="ru-RU" smtClean="0"/>
-              <a:t>27.04.2021</a:t>
+              <a:t>28.04.2021</a:t>
             </a:fld>
             <a:endParaRPr lang="ru-RU"/>
           </a:p>
@@ -1016,7 +1015,7 @@
           <a:p>
             <a:fld id="{7DBDE65C-DF9A-49D8-81C6-6E5487ACF626}" type="datetimeFigureOut">
               <a:rPr lang="ru-RU" smtClean="0"/>
-              <a:t>27.04.2021</a:t>
+              <a:t>28.04.2021</a:t>
             </a:fld>
             <a:endParaRPr lang="ru-RU"/>
           </a:p>
@@ -1248,7 +1247,7 @@
           <a:p>
             <a:fld id="{7DBDE65C-DF9A-49D8-81C6-6E5487ACF626}" type="datetimeFigureOut">
               <a:rPr lang="ru-RU" smtClean="0"/>
-              <a:t>27.04.2021</a:t>
+              <a:t>28.04.2021</a:t>
             </a:fld>
             <a:endParaRPr lang="ru-RU"/>
           </a:p>
@@ -1615,7 +1614,7 @@
           <a:p>
             <a:fld id="{7DBDE65C-DF9A-49D8-81C6-6E5487ACF626}" type="datetimeFigureOut">
               <a:rPr lang="ru-RU" smtClean="0"/>
-              <a:t>27.04.2021</a:t>
+              <a:t>28.04.2021</a:t>
             </a:fld>
             <a:endParaRPr lang="ru-RU"/>
           </a:p>
@@ -1733,7 +1732,7 @@
           <a:p>
             <a:fld id="{7DBDE65C-DF9A-49D8-81C6-6E5487ACF626}" type="datetimeFigureOut">
               <a:rPr lang="ru-RU" smtClean="0"/>
-              <a:t>27.04.2021</a:t>
+              <a:t>28.04.2021</a:t>
             </a:fld>
             <a:endParaRPr lang="ru-RU"/>
           </a:p>
@@ -1828,7 +1827,7 @@
           <a:p>
             <a:fld id="{7DBDE65C-DF9A-49D8-81C6-6E5487ACF626}" type="datetimeFigureOut">
               <a:rPr lang="ru-RU" smtClean="0"/>
-              <a:t>27.04.2021</a:t>
+              <a:t>28.04.2021</a:t>
             </a:fld>
             <a:endParaRPr lang="ru-RU"/>
           </a:p>
@@ -2105,7 +2104,7 @@
           <a:p>
             <a:fld id="{7DBDE65C-DF9A-49D8-81C6-6E5487ACF626}" type="datetimeFigureOut">
               <a:rPr lang="ru-RU" smtClean="0"/>
-              <a:t>27.04.2021</a:t>
+              <a:t>28.04.2021</a:t>
             </a:fld>
             <a:endParaRPr lang="ru-RU"/>
           </a:p>
@@ -2358,7 +2357,7 @@
           <a:p>
             <a:fld id="{7DBDE65C-DF9A-49D8-81C6-6E5487ACF626}" type="datetimeFigureOut">
               <a:rPr lang="ru-RU" smtClean="0"/>
-              <a:t>27.04.2021</a:t>
+              <a:t>28.04.2021</a:t>
             </a:fld>
             <a:endParaRPr lang="ru-RU"/>
           </a:p>
@@ -2571,7 +2570,7 @@
           <a:p>
             <a:fld id="{7DBDE65C-DF9A-49D8-81C6-6E5487ACF626}" type="datetimeFigureOut">
               <a:rPr lang="ru-RU" smtClean="0"/>
-              <a:t>27.04.2021</a:t>
+              <a:t>28.04.2021</a:t>
             </a:fld>
             <a:endParaRPr lang="ru-RU"/>
           </a:p>
@@ -4319,104 +4318,6 @@
 </p:sld>
 </file>
 
-<file path=ppt/slides/slide8.xml><?xml version="1.0" encoding="utf-8"?>
-<p:sld xmlns:a="http://schemas.openxmlformats.org/drawingml/2006/main" xmlns:r="http://schemas.openxmlformats.org/officeDocument/2006/relationships" xmlns:p="http://schemas.openxmlformats.org/presentationml/2006/main">
-  <p:cSld>
-    <p:spTree>
-      <p:nvGrpSpPr>
-        <p:cNvPr id="1" name=""/>
-        <p:cNvGrpSpPr/>
-        <p:nvPr/>
-      </p:nvGrpSpPr>
-      <p:grpSpPr>
-        <a:xfrm>
-          <a:off x="0" y="0"/>
-          <a:ext cx="0" cy="0"/>
-          <a:chOff x="0" y="0"/>
-          <a:chExt cx="0" cy="0"/>
-        </a:xfrm>
-      </p:grpSpPr>
-      <p:pic>
-        <p:nvPicPr>
-          <p:cNvPr id="2" name="Рисунок 1"/>
-          <p:cNvPicPr>
-            <a:picLocks noChangeAspect="1"/>
-          </p:cNvPicPr>
-          <p:nvPr/>
-        </p:nvPicPr>
-        <p:blipFill>
-          <a:blip r:embed="rId2"/>
-          <a:stretch>
-            <a:fillRect/>
-          </a:stretch>
-        </p:blipFill>
-        <p:spPr>
-          <a:xfrm>
-            <a:off x="1291534" y="818147"/>
-            <a:ext cx="9302101" cy="4600877"/>
-          </a:xfrm>
-          <a:prstGeom prst="rect">
-            <a:avLst/>
-          </a:prstGeom>
-        </p:spPr>
-      </p:pic>
-      <p:sp>
-        <p:nvSpPr>
-          <p:cNvPr id="3" name="Овал 2"/>
-          <p:cNvSpPr/>
-          <p:nvPr/>
-        </p:nvSpPr>
-        <p:spPr>
-          <a:xfrm>
-            <a:off x="4717196" y="818147"/>
-            <a:ext cx="528572" cy="374840"/>
-          </a:xfrm>
-          <a:prstGeom prst="ellipse">
-            <a:avLst/>
-          </a:prstGeom>
-          <a:noFill/>
-          <a:ln w="38100">
-            <a:solidFill>
-              <a:srgbClr val="FF0000"/>
-            </a:solidFill>
-          </a:ln>
-        </p:spPr>
-        <p:style>
-          <a:lnRef idx="0">
-            <a:scrgbClr r="0" g="0" b="0"/>
-          </a:lnRef>
-          <a:fillRef idx="0">
-            <a:scrgbClr r="0" g="0" b="0"/>
-          </a:fillRef>
-          <a:effectRef idx="0">
-            <a:scrgbClr r="0" g="0" b="0"/>
-          </a:effectRef>
-          <a:fontRef idx="minor">
-            <a:schemeClr val="accent2"/>
-          </a:fontRef>
-        </p:style>
-        <p:txBody>
-          <a:bodyPr rtlCol="0" anchor="ctr"/>
-          <a:lstStyle/>
-          <a:p>
-            <a:pPr algn="ctr"/>
-            <a:endParaRPr lang="ru-RU"/>
-          </a:p>
-        </p:txBody>
-      </p:sp>
-    </p:spTree>
-    <p:extLst>
-      <p:ext uri="{BB962C8B-B14F-4D97-AF65-F5344CB8AC3E}">
-        <p14:creationId xmlns:p14="http://schemas.microsoft.com/office/powerpoint/2010/main" val="3650195516"/>
-      </p:ext>
-    </p:extLst>
-  </p:cSld>
-  <p:clrMapOvr>
-    <a:masterClrMapping/>
-  </p:clrMapOvr>
-</p:sld>
-</file>
-
 <file path=ppt/theme/theme1.xml><?xml version="1.0" encoding="utf-8"?>
 <a:theme xmlns:a="http://schemas.openxmlformats.org/drawingml/2006/main" name="Тема Office">
   <a:themeElements>

--- a/Дешифратор.pptx
+++ b/Дешифратор.pptx
@@ -2999,6 +2999,144 @@
           </a:prstGeom>
         </p:spPr>
       </p:pic>
+      <p:sp>
+        <p:nvSpPr>
+          <p:cNvPr id="2" name="Прямоугольник 1"/>
+          <p:cNvSpPr/>
+          <p:nvPr/>
+        </p:nvSpPr>
+        <p:spPr>
+          <a:xfrm>
+            <a:off x="3778370" y="3976778"/>
+            <a:ext cx="862642" cy="181154"/>
+          </a:xfrm>
+          <a:prstGeom prst="rect">
+            <a:avLst/>
+          </a:prstGeom>
+          <a:solidFill>
+            <a:schemeClr val="bg1"/>
+          </a:solidFill>
+        </p:spPr>
+        <p:style>
+          <a:lnRef idx="2">
+            <a:schemeClr val="accent1">
+              <a:shade val="50000"/>
+            </a:schemeClr>
+          </a:lnRef>
+          <a:fillRef idx="1">
+            <a:schemeClr val="accent1"/>
+          </a:fillRef>
+          <a:effectRef idx="0">
+            <a:schemeClr val="accent1"/>
+          </a:effectRef>
+          <a:fontRef idx="minor">
+            <a:schemeClr val="lt1"/>
+          </a:fontRef>
+        </p:style>
+        <p:txBody>
+          <a:bodyPr rtlCol="0" anchor="ctr"/>
+          <a:lstStyle/>
+          <a:p>
+            <a:pPr algn="ctr"/>
+            <a:r>
+              <a:rPr lang="ru-RU" sz="1200" dirty="0" smtClean="0">
+                <a:ln>
+                  <a:solidFill>
+                    <a:schemeClr val="tx1"/>
+                  </a:solidFill>
+                </a:ln>
+                <a:solidFill>
+                  <a:schemeClr val="accent1">
+                    <a:lumMod val="75000"/>
+                  </a:schemeClr>
+                </a:solidFill>
+              </a:rPr>
+              <a:t>Т-триггер</a:t>
+            </a:r>
+            <a:endParaRPr lang="ru-RU" sz="1200" dirty="0">
+              <a:ln>
+                <a:solidFill>
+                  <a:schemeClr val="tx1"/>
+                </a:solidFill>
+              </a:ln>
+              <a:solidFill>
+                <a:schemeClr val="accent1">
+                  <a:lumMod val="75000"/>
+                </a:schemeClr>
+              </a:solidFill>
+            </a:endParaRPr>
+          </a:p>
+        </p:txBody>
+      </p:sp>
+      <p:sp>
+        <p:nvSpPr>
+          <p:cNvPr id="4" name="Прямоугольник 3"/>
+          <p:cNvSpPr/>
+          <p:nvPr/>
+        </p:nvSpPr>
+        <p:spPr>
+          <a:xfrm>
+            <a:off x="5483525" y="3976778"/>
+            <a:ext cx="862642" cy="181154"/>
+          </a:xfrm>
+          <a:prstGeom prst="rect">
+            <a:avLst/>
+          </a:prstGeom>
+          <a:solidFill>
+            <a:schemeClr val="bg1"/>
+          </a:solidFill>
+        </p:spPr>
+        <p:style>
+          <a:lnRef idx="2">
+            <a:schemeClr val="accent1">
+              <a:shade val="50000"/>
+            </a:schemeClr>
+          </a:lnRef>
+          <a:fillRef idx="1">
+            <a:schemeClr val="accent1"/>
+          </a:fillRef>
+          <a:effectRef idx="0">
+            <a:schemeClr val="accent1"/>
+          </a:effectRef>
+          <a:fontRef idx="minor">
+            <a:schemeClr val="lt1"/>
+          </a:fontRef>
+        </p:style>
+        <p:txBody>
+          <a:bodyPr rtlCol="0" anchor="ctr"/>
+          <a:lstStyle/>
+          <a:p>
+            <a:pPr algn="ctr"/>
+            <a:r>
+              <a:rPr lang="ru-RU" sz="1200" dirty="0" smtClean="0">
+                <a:ln>
+                  <a:solidFill>
+                    <a:schemeClr val="tx1"/>
+                  </a:solidFill>
+                </a:ln>
+                <a:solidFill>
+                  <a:schemeClr val="accent1">
+                    <a:lumMod val="75000"/>
+                  </a:schemeClr>
+                </a:solidFill>
+              </a:rPr>
+              <a:t>Т-триггер</a:t>
+            </a:r>
+            <a:endParaRPr lang="ru-RU" sz="1200" dirty="0">
+              <a:ln>
+                <a:solidFill>
+                  <a:schemeClr val="tx1"/>
+                </a:solidFill>
+              </a:ln>
+              <a:solidFill>
+                <a:schemeClr val="accent1">
+                  <a:lumMod val="75000"/>
+                </a:schemeClr>
+              </a:solidFill>
+            </a:endParaRPr>
+          </a:p>
+        </p:txBody>
+      </p:sp>
     </p:spTree>
     <p:extLst>
       <p:ext uri="{BB962C8B-B14F-4D97-AF65-F5344CB8AC3E}">
@@ -3265,6 +3403,144 @@
           </a:p>
         </p:txBody>
       </p:sp>
+      <p:sp>
+        <p:nvSpPr>
+          <p:cNvPr id="9" name="Прямоугольник 8"/>
+          <p:cNvSpPr/>
+          <p:nvPr/>
+        </p:nvSpPr>
+        <p:spPr>
+          <a:xfrm>
+            <a:off x="3666227" y="4095258"/>
+            <a:ext cx="862642" cy="181154"/>
+          </a:xfrm>
+          <a:prstGeom prst="rect">
+            <a:avLst/>
+          </a:prstGeom>
+          <a:solidFill>
+            <a:schemeClr val="bg1"/>
+          </a:solidFill>
+        </p:spPr>
+        <p:style>
+          <a:lnRef idx="2">
+            <a:schemeClr val="accent1">
+              <a:shade val="50000"/>
+            </a:schemeClr>
+          </a:lnRef>
+          <a:fillRef idx="1">
+            <a:schemeClr val="accent1"/>
+          </a:fillRef>
+          <a:effectRef idx="0">
+            <a:schemeClr val="accent1"/>
+          </a:effectRef>
+          <a:fontRef idx="minor">
+            <a:schemeClr val="lt1"/>
+          </a:fontRef>
+        </p:style>
+        <p:txBody>
+          <a:bodyPr rtlCol="0" anchor="ctr"/>
+          <a:lstStyle/>
+          <a:p>
+            <a:pPr algn="ctr"/>
+            <a:r>
+              <a:rPr lang="ru-RU" sz="1200" dirty="0" smtClean="0">
+                <a:ln>
+                  <a:solidFill>
+                    <a:schemeClr val="tx1"/>
+                  </a:solidFill>
+                </a:ln>
+                <a:solidFill>
+                  <a:schemeClr val="accent1">
+                    <a:lumMod val="75000"/>
+                  </a:schemeClr>
+                </a:solidFill>
+              </a:rPr>
+              <a:t>Т-триггер</a:t>
+            </a:r>
+            <a:endParaRPr lang="ru-RU" sz="1200" dirty="0">
+              <a:ln>
+                <a:solidFill>
+                  <a:schemeClr val="tx1"/>
+                </a:solidFill>
+              </a:ln>
+              <a:solidFill>
+                <a:schemeClr val="accent1">
+                  <a:lumMod val="75000"/>
+                </a:schemeClr>
+              </a:solidFill>
+            </a:endParaRPr>
+          </a:p>
+        </p:txBody>
+      </p:sp>
+      <p:sp>
+        <p:nvSpPr>
+          <p:cNvPr id="12" name="Прямоугольник 11"/>
+          <p:cNvSpPr/>
+          <p:nvPr/>
+        </p:nvSpPr>
+        <p:spPr>
+          <a:xfrm>
+            <a:off x="5337346" y="4157666"/>
+            <a:ext cx="862642" cy="181154"/>
+          </a:xfrm>
+          <a:prstGeom prst="rect">
+            <a:avLst/>
+          </a:prstGeom>
+          <a:solidFill>
+            <a:schemeClr val="bg1"/>
+          </a:solidFill>
+        </p:spPr>
+        <p:style>
+          <a:lnRef idx="2">
+            <a:schemeClr val="accent1">
+              <a:shade val="50000"/>
+            </a:schemeClr>
+          </a:lnRef>
+          <a:fillRef idx="1">
+            <a:schemeClr val="accent1"/>
+          </a:fillRef>
+          <a:effectRef idx="0">
+            <a:schemeClr val="accent1"/>
+          </a:effectRef>
+          <a:fontRef idx="minor">
+            <a:schemeClr val="lt1"/>
+          </a:fontRef>
+        </p:style>
+        <p:txBody>
+          <a:bodyPr rtlCol="0" anchor="ctr"/>
+          <a:lstStyle/>
+          <a:p>
+            <a:pPr algn="ctr"/>
+            <a:r>
+              <a:rPr lang="ru-RU" sz="1200" dirty="0" smtClean="0">
+                <a:ln>
+                  <a:solidFill>
+                    <a:schemeClr val="tx1"/>
+                  </a:solidFill>
+                </a:ln>
+                <a:solidFill>
+                  <a:schemeClr val="accent1">
+                    <a:lumMod val="75000"/>
+                  </a:schemeClr>
+                </a:solidFill>
+              </a:rPr>
+              <a:t>Т-триггер</a:t>
+            </a:r>
+            <a:endParaRPr lang="ru-RU" sz="1200" dirty="0">
+              <a:ln>
+                <a:solidFill>
+                  <a:schemeClr val="tx1"/>
+                </a:solidFill>
+              </a:ln>
+              <a:solidFill>
+                <a:schemeClr val="accent1">
+                  <a:lumMod val="75000"/>
+                </a:schemeClr>
+              </a:solidFill>
+            </a:endParaRPr>
+          </a:p>
+        </p:txBody>
+      </p:sp>
     </p:spTree>
     <p:extLst>
       <p:ext uri="{BB962C8B-B14F-4D97-AF65-F5344CB8AC3E}">
@@ -3512,6 +3788,144 @@
           </a:p>
         </p:txBody>
       </p:sp>
+      <p:sp>
+        <p:nvSpPr>
+          <p:cNvPr id="7" name="Прямоугольник 6"/>
+          <p:cNvSpPr/>
+          <p:nvPr/>
+        </p:nvSpPr>
+        <p:spPr>
+          <a:xfrm>
+            <a:off x="4002657" y="3961547"/>
+            <a:ext cx="862642" cy="181154"/>
+          </a:xfrm>
+          <a:prstGeom prst="rect">
+            <a:avLst/>
+          </a:prstGeom>
+          <a:solidFill>
+            <a:schemeClr val="bg1"/>
+          </a:solidFill>
+        </p:spPr>
+        <p:style>
+          <a:lnRef idx="2">
+            <a:schemeClr val="accent1">
+              <a:shade val="50000"/>
+            </a:schemeClr>
+          </a:lnRef>
+          <a:fillRef idx="1">
+            <a:schemeClr val="accent1"/>
+          </a:fillRef>
+          <a:effectRef idx="0">
+            <a:schemeClr val="accent1"/>
+          </a:effectRef>
+          <a:fontRef idx="minor">
+            <a:schemeClr val="lt1"/>
+          </a:fontRef>
+        </p:style>
+        <p:txBody>
+          <a:bodyPr rtlCol="0" anchor="ctr"/>
+          <a:lstStyle/>
+          <a:p>
+            <a:pPr algn="ctr"/>
+            <a:r>
+              <a:rPr lang="ru-RU" sz="1200" dirty="0" smtClean="0">
+                <a:ln>
+                  <a:solidFill>
+                    <a:schemeClr val="tx1"/>
+                  </a:solidFill>
+                </a:ln>
+                <a:solidFill>
+                  <a:schemeClr val="accent1">
+                    <a:lumMod val="75000"/>
+                  </a:schemeClr>
+                </a:solidFill>
+              </a:rPr>
+              <a:t>Т-триггер</a:t>
+            </a:r>
+            <a:endParaRPr lang="ru-RU" sz="1200" dirty="0">
+              <a:ln>
+                <a:solidFill>
+                  <a:schemeClr val="tx1"/>
+                </a:solidFill>
+              </a:ln>
+              <a:solidFill>
+                <a:schemeClr val="accent1">
+                  <a:lumMod val="75000"/>
+                </a:schemeClr>
+              </a:solidFill>
+            </a:endParaRPr>
+          </a:p>
+        </p:txBody>
+      </p:sp>
+      <p:sp>
+        <p:nvSpPr>
+          <p:cNvPr id="9" name="Прямоугольник 8"/>
+          <p:cNvSpPr/>
+          <p:nvPr/>
+        </p:nvSpPr>
+        <p:spPr>
+          <a:xfrm>
+            <a:off x="5587042" y="3963837"/>
+            <a:ext cx="862642" cy="181154"/>
+          </a:xfrm>
+          <a:prstGeom prst="rect">
+            <a:avLst/>
+          </a:prstGeom>
+          <a:solidFill>
+            <a:schemeClr val="bg1"/>
+          </a:solidFill>
+        </p:spPr>
+        <p:style>
+          <a:lnRef idx="2">
+            <a:schemeClr val="accent1">
+              <a:shade val="50000"/>
+            </a:schemeClr>
+          </a:lnRef>
+          <a:fillRef idx="1">
+            <a:schemeClr val="accent1"/>
+          </a:fillRef>
+          <a:effectRef idx="0">
+            <a:schemeClr val="accent1"/>
+          </a:effectRef>
+          <a:fontRef idx="minor">
+            <a:schemeClr val="lt1"/>
+          </a:fontRef>
+        </p:style>
+        <p:txBody>
+          <a:bodyPr rtlCol="0" anchor="ctr"/>
+          <a:lstStyle/>
+          <a:p>
+            <a:pPr algn="ctr"/>
+            <a:r>
+              <a:rPr lang="ru-RU" sz="1200" dirty="0" smtClean="0">
+                <a:ln>
+                  <a:solidFill>
+                    <a:schemeClr val="tx1"/>
+                  </a:solidFill>
+                </a:ln>
+                <a:solidFill>
+                  <a:schemeClr val="accent1">
+                    <a:lumMod val="75000"/>
+                  </a:schemeClr>
+                </a:solidFill>
+              </a:rPr>
+              <a:t>Т-триггер</a:t>
+            </a:r>
+            <a:endParaRPr lang="ru-RU" sz="1200" dirty="0">
+              <a:ln>
+                <a:solidFill>
+                  <a:schemeClr val="tx1"/>
+                </a:solidFill>
+              </a:ln>
+              <a:solidFill>
+                <a:schemeClr val="accent1">
+                  <a:lumMod val="75000"/>
+                </a:schemeClr>
+              </a:solidFill>
+            </a:endParaRPr>
+          </a:p>
+        </p:txBody>
+      </p:sp>
     </p:spTree>
     <p:extLst>
       <p:ext uri="{BB962C8B-B14F-4D97-AF65-F5344CB8AC3E}">
@@ -3800,6 +4214,144 @@
           </a:p>
         </p:txBody>
       </p:sp>
+      <p:sp>
+        <p:nvSpPr>
+          <p:cNvPr id="9" name="Прямоугольник 8"/>
+          <p:cNvSpPr/>
+          <p:nvPr/>
+        </p:nvSpPr>
+        <p:spPr>
+          <a:xfrm>
+            <a:off x="5357004" y="3878203"/>
+            <a:ext cx="862642" cy="181154"/>
+          </a:xfrm>
+          <a:prstGeom prst="rect">
+            <a:avLst/>
+          </a:prstGeom>
+          <a:solidFill>
+            <a:schemeClr val="bg1"/>
+          </a:solidFill>
+        </p:spPr>
+        <p:style>
+          <a:lnRef idx="2">
+            <a:schemeClr val="accent1">
+              <a:shade val="50000"/>
+            </a:schemeClr>
+          </a:lnRef>
+          <a:fillRef idx="1">
+            <a:schemeClr val="accent1"/>
+          </a:fillRef>
+          <a:effectRef idx="0">
+            <a:schemeClr val="accent1"/>
+          </a:effectRef>
+          <a:fontRef idx="minor">
+            <a:schemeClr val="lt1"/>
+          </a:fontRef>
+        </p:style>
+        <p:txBody>
+          <a:bodyPr rtlCol="0" anchor="ctr"/>
+          <a:lstStyle/>
+          <a:p>
+            <a:pPr algn="ctr"/>
+            <a:r>
+              <a:rPr lang="ru-RU" sz="1200" dirty="0" smtClean="0">
+                <a:ln>
+                  <a:solidFill>
+                    <a:schemeClr val="tx1"/>
+                  </a:solidFill>
+                </a:ln>
+                <a:solidFill>
+                  <a:schemeClr val="accent1">
+                    <a:lumMod val="75000"/>
+                  </a:schemeClr>
+                </a:solidFill>
+              </a:rPr>
+              <a:t>Т-триггер</a:t>
+            </a:r>
+            <a:endParaRPr lang="ru-RU" sz="1200" dirty="0">
+              <a:ln>
+                <a:solidFill>
+                  <a:schemeClr val="tx1"/>
+                </a:solidFill>
+              </a:ln>
+              <a:solidFill>
+                <a:schemeClr val="accent1">
+                  <a:lumMod val="75000"/>
+                </a:schemeClr>
+              </a:solidFill>
+            </a:endParaRPr>
+          </a:p>
+        </p:txBody>
+      </p:sp>
+      <p:sp>
+        <p:nvSpPr>
+          <p:cNvPr id="12" name="Прямоугольник 11"/>
+          <p:cNvSpPr/>
+          <p:nvPr/>
+        </p:nvSpPr>
+        <p:spPr>
+          <a:xfrm>
+            <a:off x="7027653" y="3878203"/>
+            <a:ext cx="862642" cy="181154"/>
+          </a:xfrm>
+          <a:prstGeom prst="rect">
+            <a:avLst/>
+          </a:prstGeom>
+          <a:solidFill>
+            <a:schemeClr val="bg1"/>
+          </a:solidFill>
+        </p:spPr>
+        <p:style>
+          <a:lnRef idx="2">
+            <a:schemeClr val="accent1">
+              <a:shade val="50000"/>
+            </a:schemeClr>
+          </a:lnRef>
+          <a:fillRef idx="1">
+            <a:schemeClr val="accent1"/>
+          </a:fillRef>
+          <a:effectRef idx="0">
+            <a:schemeClr val="accent1"/>
+          </a:effectRef>
+          <a:fontRef idx="minor">
+            <a:schemeClr val="lt1"/>
+          </a:fontRef>
+        </p:style>
+        <p:txBody>
+          <a:bodyPr rtlCol="0" anchor="ctr"/>
+          <a:lstStyle/>
+          <a:p>
+            <a:pPr algn="ctr"/>
+            <a:r>
+              <a:rPr lang="ru-RU" sz="1200" dirty="0" smtClean="0">
+                <a:ln>
+                  <a:solidFill>
+                    <a:schemeClr val="tx1"/>
+                  </a:solidFill>
+                </a:ln>
+                <a:solidFill>
+                  <a:schemeClr val="accent1">
+                    <a:lumMod val="75000"/>
+                  </a:schemeClr>
+                </a:solidFill>
+              </a:rPr>
+              <a:t>Т-триггер</a:t>
+            </a:r>
+            <a:endParaRPr lang="ru-RU" sz="1200" dirty="0">
+              <a:ln>
+                <a:solidFill>
+                  <a:schemeClr val="tx1"/>
+                </a:solidFill>
+              </a:ln>
+              <a:solidFill>
+                <a:schemeClr val="accent1">
+                  <a:lumMod val="75000"/>
+                </a:schemeClr>
+              </a:solidFill>
+            </a:endParaRPr>
+          </a:p>
+        </p:txBody>
+      </p:sp>
     </p:spTree>
     <p:extLst>
       <p:ext uri="{BB962C8B-B14F-4D97-AF65-F5344CB8AC3E}">
@@ -4057,6 +4609,144 @@
           </a:p>
         </p:txBody>
       </p:sp>
+      <p:sp>
+        <p:nvSpPr>
+          <p:cNvPr id="8" name="Прямоугольник 7"/>
+          <p:cNvSpPr/>
+          <p:nvPr/>
+        </p:nvSpPr>
+        <p:spPr>
+          <a:xfrm>
+            <a:off x="5287992" y="3981719"/>
+            <a:ext cx="862642" cy="181154"/>
+          </a:xfrm>
+          <a:prstGeom prst="rect">
+            <a:avLst/>
+          </a:prstGeom>
+          <a:solidFill>
+            <a:schemeClr val="bg1"/>
+          </a:solidFill>
+        </p:spPr>
+        <p:style>
+          <a:lnRef idx="2">
+            <a:schemeClr val="accent1">
+              <a:shade val="50000"/>
+            </a:schemeClr>
+          </a:lnRef>
+          <a:fillRef idx="1">
+            <a:schemeClr val="accent1"/>
+          </a:fillRef>
+          <a:effectRef idx="0">
+            <a:schemeClr val="accent1"/>
+          </a:effectRef>
+          <a:fontRef idx="minor">
+            <a:schemeClr val="lt1"/>
+          </a:fontRef>
+        </p:style>
+        <p:txBody>
+          <a:bodyPr rtlCol="0" anchor="ctr"/>
+          <a:lstStyle/>
+          <a:p>
+            <a:pPr algn="ctr"/>
+            <a:r>
+              <a:rPr lang="ru-RU" sz="1200" dirty="0" smtClean="0">
+                <a:ln>
+                  <a:solidFill>
+                    <a:schemeClr val="tx1"/>
+                  </a:solidFill>
+                </a:ln>
+                <a:solidFill>
+                  <a:schemeClr val="accent1">
+                    <a:lumMod val="75000"/>
+                  </a:schemeClr>
+                </a:solidFill>
+              </a:rPr>
+              <a:t>Т-триггер</a:t>
+            </a:r>
+            <a:endParaRPr lang="ru-RU" sz="1200" dirty="0">
+              <a:ln>
+                <a:solidFill>
+                  <a:schemeClr val="tx1"/>
+                </a:solidFill>
+              </a:ln>
+              <a:solidFill>
+                <a:schemeClr val="accent1">
+                  <a:lumMod val="75000"/>
+                </a:schemeClr>
+              </a:solidFill>
+            </a:endParaRPr>
+          </a:p>
+        </p:txBody>
+      </p:sp>
+      <p:sp>
+        <p:nvSpPr>
+          <p:cNvPr id="10" name="Прямоугольник 9"/>
+          <p:cNvSpPr/>
+          <p:nvPr/>
+        </p:nvSpPr>
+        <p:spPr>
+          <a:xfrm>
+            <a:off x="7194429" y="3981719"/>
+            <a:ext cx="862642" cy="181154"/>
+          </a:xfrm>
+          <a:prstGeom prst="rect">
+            <a:avLst/>
+          </a:prstGeom>
+          <a:solidFill>
+            <a:schemeClr val="bg1"/>
+          </a:solidFill>
+        </p:spPr>
+        <p:style>
+          <a:lnRef idx="2">
+            <a:schemeClr val="accent1">
+              <a:shade val="50000"/>
+            </a:schemeClr>
+          </a:lnRef>
+          <a:fillRef idx="1">
+            <a:schemeClr val="accent1"/>
+          </a:fillRef>
+          <a:effectRef idx="0">
+            <a:schemeClr val="accent1"/>
+          </a:effectRef>
+          <a:fontRef idx="minor">
+            <a:schemeClr val="lt1"/>
+          </a:fontRef>
+        </p:style>
+        <p:txBody>
+          <a:bodyPr rtlCol="0" anchor="ctr"/>
+          <a:lstStyle/>
+          <a:p>
+            <a:pPr algn="ctr"/>
+            <a:r>
+              <a:rPr lang="ru-RU" sz="1200" dirty="0" smtClean="0">
+                <a:ln>
+                  <a:solidFill>
+                    <a:schemeClr val="tx1"/>
+                  </a:solidFill>
+                </a:ln>
+                <a:solidFill>
+                  <a:schemeClr val="accent1">
+                    <a:lumMod val="75000"/>
+                  </a:schemeClr>
+                </a:solidFill>
+              </a:rPr>
+              <a:t>Т-триггер</a:t>
+            </a:r>
+            <a:endParaRPr lang="ru-RU" sz="1200" dirty="0">
+              <a:ln>
+                <a:solidFill>
+                  <a:schemeClr val="tx1"/>
+                </a:solidFill>
+              </a:ln>
+              <a:solidFill>
+                <a:schemeClr val="accent1">
+                  <a:lumMod val="75000"/>
+                </a:schemeClr>
+              </a:solidFill>
+            </a:endParaRPr>
+          </a:p>
+        </p:txBody>
+      </p:sp>
     </p:spTree>
     <p:extLst>
       <p:ext uri="{BB962C8B-B14F-4D97-AF65-F5344CB8AC3E}">
@@ -4251,6 +4941,144 @@
           </a:prstGeom>
         </p:spPr>
       </p:pic>
+      <p:sp>
+        <p:nvSpPr>
+          <p:cNvPr id="8" name="Прямоугольник 7"/>
+          <p:cNvSpPr/>
+          <p:nvPr/>
+        </p:nvSpPr>
+        <p:spPr>
+          <a:xfrm>
+            <a:off x="5193102" y="4093863"/>
+            <a:ext cx="862642" cy="181154"/>
+          </a:xfrm>
+          <a:prstGeom prst="rect">
+            <a:avLst/>
+          </a:prstGeom>
+          <a:solidFill>
+            <a:schemeClr val="bg1"/>
+          </a:solidFill>
+        </p:spPr>
+        <p:style>
+          <a:lnRef idx="2">
+            <a:schemeClr val="accent1">
+              <a:shade val="50000"/>
+            </a:schemeClr>
+          </a:lnRef>
+          <a:fillRef idx="1">
+            <a:schemeClr val="accent1"/>
+          </a:fillRef>
+          <a:effectRef idx="0">
+            <a:schemeClr val="accent1"/>
+          </a:effectRef>
+          <a:fontRef idx="minor">
+            <a:schemeClr val="lt1"/>
+          </a:fontRef>
+        </p:style>
+        <p:txBody>
+          <a:bodyPr rtlCol="0" anchor="ctr"/>
+          <a:lstStyle/>
+          <a:p>
+            <a:pPr algn="ctr"/>
+            <a:r>
+              <a:rPr lang="ru-RU" sz="1200" dirty="0" smtClean="0">
+                <a:ln>
+                  <a:solidFill>
+                    <a:schemeClr val="tx1"/>
+                  </a:solidFill>
+                </a:ln>
+                <a:solidFill>
+                  <a:schemeClr val="accent1">
+                    <a:lumMod val="75000"/>
+                  </a:schemeClr>
+                </a:solidFill>
+              </a:rPr>
+              <a:t>Т-триггер</a:t>
+            </a:r>
+            <a:endParaRPr lang="ru-RU" sz="1200" dirty="0">
+              <a:ln>
+                <a:solidFill>
+                  <a:schemeClr val="tx1"/>
+                </a:solidFill>
+              </a:ln>
+              <a:solidFill>
+                <a:schemeClr val="accent1">
+                  <a:lumMod val="75000"/>
+                </a:schemeClr>
+              </a:solidFill>
+            </a:endParaRPr>
+          </a:p>
+        </p:txBody>
+      </p:sp>
+      <p:sp>
+        <p:nvSpPr>
+          <p:cNvPr id="10" name="Прямоугольник 9"/>
+          <p:cNvSpPr/>
+          <p:nvPr/>
+        </p:nvSpPr>
+        <p:spPr>
+          <a:xfrm>
+            <a:off x="7142672" y="4093863"/>
+            <a:ext cx="862642" cy="181154"/>
+          </a:xfrm>
+          <a:prstGeom prst="rect">
+            <a:avLst/>
+          </a:prstGeom>
+          <a:solidFill>
+            <a:schemeClr val="bg1"/>
+          </a:solidFill>
+        </p:spPr>
+        <p:style>
+          <a:lnRef idx="2">
+            <a:schemeClr val="accent1">
+              <a:shade val="50000"/>
+            </a:schemeClr>
+          </a:lnRef>
+          <a:fillRef idx="1">
+            <a:schemeClr val="accent1"/>
+          </a:fillRef>
+          <a:effectRef idx="0">
+            <a:schemeClr val="accent1"/>
+          </a:effectRef>
+          <a:fontRef idx="minor">
+            <a:schemeClr val="lt1"/>
+          </a:fontRef>
+        </p:style>
+        <p:txBody>
+          <a:bodyPr rtlCol="0" anchor="ctr"/>
+          <a:lstStyle/>
+          <a:p>
+            <a:pPr algn="ctr"/>
+            <a:r>
+              <a:rPr lang="ru-RU" sz="1200" dirty="0" smtClean="0">
+                <a:ln>
+                  <a:solidFill>
+                    <a:schemeClr val="tx1"/>
+                  </a:solidFill>
+                </a:ln>
+                <a:solidFill>
+                  <a:schemeClr val="accent1">
+                    <a:lumMod val="75000"/>
+                  </a:schemeClr>
+                </a:solidFill>
+              </a:rPr>
+              <a:t>Т-триггер</a:t>
+            </a:r>
+            <a:endParaRPr lang="ru-RU" sz="1200" dirty="0">
+              <a:ln>
+                <a:solidFill>
+                  <a:schemeClr val="tx1"/>
+                </a:solidFill>
+              </a:ln>
+              <a:solidFill>
+                <a:schemeClr val="accent1">
+                  <a:lumMod val="75000"/>
+                </a:schemeClr>
+              </a:solidFill>
+            </a:endParaRPr>
+          </a:p>
+        </p:txBody>
+      </p:sp>
     </p:spTree>
     <p:extLst>
       <p:ext uri="{BB962C8B-B14F-4D97-AF65-F5344CB8AC3E}">
@@ -4281,9 +5109,78 @@
           <a:chExt cx="0" cy="0"/>
         </a:xfrm>
       </p:grpSpPr>
+      <p:sp>
+        <p:nvSpPr>
+          <p:cNvPr id="3" name="Прямоугольник 2"/>
+          <p:cNvSpPr/>
+          <p:nvPr/>
+        </p:nvSpPr>
+        <p:spPr>
+          <a:xfrm>
+            <a:off x="3502325" y="2670505"/>
+            <a:ext cx="862642" cy="181154"/>
+          </a:xfrm>
+          <a:prstGeom prst="rect">
+            <a:avLst/>
+          </a:prstGeom>
+          <a:solidFill>
+            <a:schemeClr val="bg1"/>
+          </a:solidFill>
+        </p:spPr>
+        <p:style>
+          <a:lnRef idx="2">
+            <a:schemeClr val="accent1">
+              <a:shade val="50000"/>
+            </a:schemeClr>
+          </a:lnRef>
+          <a:fillRef idx="1">
+            <a:schemeClr val="accent1"/>
+          </a:fillRef>
+          <a:effectRef idx="0">
+            <a:schemeClr val="accent1"/>
+          </a:effectRef>
+          <a:fontRef idx="minor">
+            <a:schemeClr val="lt1"/>
+          </a:fontRef>
+        </p:style>
+        <p:txBody>
+          <a:bodyPr rtlCol="0" anchor="ctr"/>
+          <a:lstStyle/>
+          <a:p>
+            <a:pPr algn="ctr"/>
+            <a:r>
+              <a:rPr lang="ru-RU" sz="1200" dirty="0" smtClean="0">
+                <a:ln>
+                  <a:solidFill>
+                    <a:schemeClr val="tx1"/>
+                  </a:solidFill>
+                </a:ln>
+                <a:solidFill>
+                  <a:schemeClr val="accent1">
+                    <a:lumMod val="75000"/>
+                  </a:schemeClr>
+                </a:solidFill>
+              </a:rPr>
+              <a:t>Т-триггер</a:t>
+            </a:r>
+            <a:endParaRPr lang="ru-RU" sz="1200" dirty="0">
+              <a:ln>
+                <a:solidFill>
+                  <a:schemeClr val="tx1"/>
+                </a:solidFill>
+              </a:ln>
+              <a:solidFill>
+                <a:schemeClr val="accent1">
+                  <a:lumMod val="75000"/>
+                </a:schemeClr>
+              </a:solidFill>
+            </a:endParaRPr>
+          </a:p>
+        </p:txBody>
+      </p:sp>
       <p:pic>
         <p:nvPicPr>
-          <p:cNvPr id="5" name="Рисунок 4"/>
+          <p:cNvPr id="2" name="Рисунок 1"/>
           <p:cNvPicPr>
             <a:picLocks noChangeAspect="1"/>
           </p:cNvPicPr>
@@ -4297,8 +5194,8 @@
         </p:blipFill>
         <p:spPr>
           <a:xfrm>
-            <a:off x="808681" y="1143000"/>
-            <a:ext cx="10324079" cy="4572000"/>
+            <a:off x="590302" y="491704"/>
+            <a:ext cx="10143833" cy="5134209"/>
           </a:xfrm>
           <a:prstGeom prst="rect">
             <a:avLst/>
